--- a/Project 1 - Wine_Final.pptx
+++ b/Project 1 - Wine_Final.pptx
@@ -5,7 +5,7 @@
     <p:sldMasterId id="2147483659" r:id="rId1"/>
   </p:sldMasterIdLst>
   <p:notesMasterIdLst>
-    <p:notesMasterId r:id="rId16"/>
+    <p:notesMasterId r:id="rId15"/>
   </p:notesMasterIdLst>
   <p:sldIdLst>
     <p:sldId id="256" r:id="rId2"/>
@@ -17,26 +17,25 @@
     <p:sldId id="270" r:id="rId8"/>
     <p:sldId id="269" r:id="rId9"/>
     <p:sldId id="272" r:id="rId10"/>
-    <p:sldId id="263" r:id="rId11"/>
-    <p:sldId id="264" r:id="rId12"/>
-    <p:sldId id="271" r:id="rId13"/>
-    <p:sldId id="265" r:id="rId14"/>
-    <p:sldId id="267" r:id="rId15"/>
+    <p:sldId id="264" r:id="rId11"/>
+    <p:sldId id="271" r:id="rId12"/>
+    <p:sldId id="265" r:id="rId13"/>
+    <p:sldId id="267" r:id="rId14"/>
   </p:sldIdLst>
   <p:sldSz cx="9144000" cy="5143500" type="screen16x9"/>
   <p:notesSz cx="6858000" cy="9144000"/>
   <p:embeddedFontLst>
     <p:embeddedFont>
-      <p:font typeface="Source Code Pro" panose="020B0604020202020204" charset="0"/>
-      <p:regular r:id="rId17"/>
-      <p:bold r:id="rId18"/>
-      <p:italic r:id="rId19"/>
-      <p:boldItalic r:id="rId20"/>
+      <p:font typeface="Oswald" panose="020B0604020202020204" charset="0"/>
+      <p:regular r:id="rId16"/>
+      <p:bold r:id="rId17"/>
     </p:embeddedFont>
     <p:embeddedFont>
-      <p:font typeface="Oswald" panose="020B0604020202020204" charset="0"/>
-      <p:regular r:id="rId21"/>
-      <p:bold r:id="rId22"/>
+      <p:font typeface="Source Code Pro" panose="020B0604020202020204" charset="0"/>
+      <p:regular r:id="rId18"/>
+      <p:bold r:id="rId19"/>
+      <p:italic r:id="rId20"/>
+      <p:boldItalic r:id="rId21"/>
     </p:embeddedFont>
   </p:embeddedFontLst>
   <p:defaultTextStyle>
@@ -270,7 +269,7 @@
   </p:defaultTextStyle>
   <p:extLst>
     <p:ext uri="{EFAFB233-063F-42B5-8137-9DF3F51BA10A}">
-      <p15:sldGuideLst xmlns:p15="http://schemas.microsoft.com/office/powerpoint/2012/main" xmlns="">
+      <p15:sldGuideLst xmlns:p15="http://schemas.microsoft.com/office/powerpoint/2012/main">
         <p15:guide id="1" orient="horz" pos="1620">
           <p15:clr>
             <a:srgbClr val="A4A3A4"/>
@@ -291,6 +290,27 @@
 <p:cmAuthorLst xmlns:a="http://schemas.openxmlformats.org/drawingml/2006/main" xmlns:r="http://schemas.openxmlformats.org/officeDocument/2006/relationships" xmlns:p="http://schemas.openxmlformats.org/presentationml/2006/main">
   <p:cmAuthor id="0" name="Daniel Bruen" initials="" lastIdx="1" clrIdx="0"/>
 </p:cmAuthorLst>
+</file>
+
+<file path=ppt/changesInfos/changesInfo1.xml><?xml version="1.0" encoding="utf-8"?>
+<pc:chgInfo xmlns:a="http://schemas.openxmlformats.org/drawingml/2006/main" xmlns:r="http://schemas.openxmlformats.org/officeDocument/2006/relationships" xmlns:ac="http://schemas.microsoft.com/office/drawing/2013/main/command" xmlns:pc="http://schemas.microsoft.com/office/powerpoint/2013/main/command">
+  <pc:docChgLst>
+    <pc:chgData name="james zheng" userId="2ae394b0af7fd4ea" providerId="LiveId" clId="{7841C349-95D0-443A-8FD0-72B1B491AC14}"/>
+    <pc:docChg chg="delSld">
+      <pc:chgData name="james zheng" userId="2ae394b0af7fd4ea" providerId="LiveId" clId="{7841C349-95D0-443A-8FD0-72B1B491AC14}" dt="2019-12-12T00:50:20.955" v="0" actId="47"/>
+      <pc:docMkLst>
+        <pc:docMk/>
+      </pc:docMkLst>
+      <pc:sldChg chg="del">
+        <pc:chgData name="james zheng" userId="2ae394b0af7fd4ea" providerId="LiveId" clId="{7841C349-95D0-443A-8FD0-72B1B491AC14}" dt="2019-12-12T00:50:20.955" v="0" actId="47"/>
+        <pc:sldMkLst>
+          <pc:docMk/>
+          <pc:sldMk cId="0" sldId="263"/>
+        </pc:sldMkLst>
+      </pc:sldChg>
+    </pc:docChg>
+  </pc:docChgLst>
+</pc:chgInfo>
 </file>
 
 <file path=ppt/notesMasters/notesMaster1.xml><?xml version="1.0" encoding="utf-8"?>
@@ -848,115 +868,6 @@
 </p:notes>
 </file>
 
-<file path=ppt/notesSlides/notesSlide10.xml><?xml version="1.0" encoding="utf-8"?>
-<p:notes xmlns:a="http://schemas.openxmlformats.org/drawingml/2006/main" xmlns:r="http://schemas.openxmlformats.org/officeDocument/2006/relationships" xmlns:p="http://schemas.openxmlformats.org/presentationml/2006/main" showMasterSp="0" showMasterPhAnim="0">
-  <p:cSld>
-    <p:spTree>
-      <p:nvGrpSpPr>
-        <p:cNvPr id="1" name="Shape 122"/>
-        <p:cNvGrpSpPr/>
-        <p:nvPr/>
-      </p:nvGrpSpPr>
-      <p:grpSpPr>
-        <a:xfrm>
-          <a:off x="0" y="0"/>
-          <a:ext cx="0" cy="0"/>
-          <a:chOff x="0" y="0"/>
-          <a:chExt cx="0" cy="0"/>
-        </a:xfrm>
-      </p:grpSpPr>
-      <p:sp>
-        <p:nvSpPr>
-          <p:cNvPr id="123" name="Google Shape;123;g6c265fe4b7_0_15:notes"/>
-          <p:cNvSpPr>
-            <a:spLocks noGrp="1" noRot="1" noChangeAspect="1"/>
-          </p:cNvSpPr>
-          <p:nvPr>
-            <p:ph type="sldImg" idx="2"/>
-          </p:nvPr>
-        </p:nvSpPr>
-        <p:spPr>
-          <a:xfrm>
-            <a:off x="381000" y="685800"/>
-            <a:ext cx="6096000" cy="3429000"/>
-          </a:xfrm>
-          <a:custGeom>
-            <a:avLst/>
-            <a:gdLst/>
-            <a:ahLst/>
-            <a:cxnLst/>
-            <a:rect l="l" t="t" r="r" b="b"/>
-            <a:pathLst>
-              <a:path w="120000" h="120000" extrusionOk="0">
-                <a:moveTo>
-                  <a:pt x="0" y="0"/>
-                </a:moveTo>
-                <a:lnTo>
-                  <a:pt x="120000" y="0"/>
-                </a:lnTo>
-                <a:lnTo>
-                  <a:pt x="120000" y="120000"/>
-                </a:lnTo>
-                <a:lnTo>
-                  <a:pt x="0" y="120000"/>
-                </a:lnTo>
-                <a:close/>
-              </a:path>
-            </a:pathLst>
-          </a:custGeom>
-        </p:spPr>
-      </p:sp>
-      <p:sp>
-        <p:nvSpPr>
-          <p:cNvPr id="124" name="Google Shape;124;g6c265fe4b7_0_15:notes"/>
-          <p:cNvSpPr txBox="1">
-            <a:spLocks noGrp="1"/>
-          </p:cNvSpPr>
-          <p:nvPr>
-            <p:ph type="body" idx="1"/>
-          </p:nvPr>
-        </p:nvSpPr>
-        <p:spPr>
-          <a:xfrm>
-            <a:off x="685800" y="4343400"/>
-            <a:ext cx="5486400" cy="4114800"/>
-          </a:xfrm>
-          <a:prstGeom prst="rect">
-            <a:avLst/>
-          </a:prstGeom>
-        </p:spPr>
-        <p:txBody>
-          <a:bodyPr spcFirstLastPara="1" wrap="square" lIns="91425" tIns="91425" rIns="91425" bIns="91425" anchor="t" anchorCtr="0">
-            <a:noAutofit/>
-          </a:bodyPr>
-          <a:lstStyle/>
-          <a:p>
-            <a:pPr marL="0" lvl="0" indent="0" algn="l" rtl="0">
-              <a:spcBef>
-                <a:spcPts val="0"/>
-              </a:spcBef>
-              <a:spcAft>
-                <a:spcPts val="0"/>
-              </a:spcAft>
-              <a:buNone/>
-            </a:pPr>
-            <a:endParaRPr/>
-          </a:p>
-        </p:txBody>
-      </p:sp>
-    </p:spTree>
-    <p:extLst>
-      <p:ext uri="{BB962C8B-B14F-4D97-AF65-F5344CB8AC3E}">
-        <p14:creationId xmlns:p14="http://schemas.microsoft.com/office/powerpoint/2010/main" val="3490007247"/>
-      </p:ext>
-    </p:extLst>
-  </p:cSld>
-  <p:clrMapOvr>
-    <a:masterClrMapping/>
-  </p:clrMapOvr>
-</p:notes>
-</file>
-
 <file path=ppt/notesSlides/notesSlide2.xml><?xml version="1.0" encoding="utf-8"?>
 <p:notes xmlns:a="http://schemas.openxmlformats.org/drawingml/2006/main" xmlns:r="http://schemas.openxmlformats.org/officeDocument/2006/relationships" xmlns:p="http://schemas.openxmlformats.org/presentationml/2006/main" showMasterSp="0" showMasterPhAnim="0">
   <p:cSld>
@@ -1398,7 +1309,7 @@
   <p:cSld>
     <p:spTree>
       <p:nvGrpSpPr>
-        <p:cNvPr id="1" name="Shape 99"/>
+        <p:cNvPr id="1" name="Shape 105"/>
         <p:cNvGrpSpPr/>
         <p:nvPr/>
       </p:nvGrpSpPr>
@@ -1412,7 +1323,7 @@
       </p:grpSpPr>
       <p:sp>
         <p:nvSpPr>
-          <p:cNvPr id="100" name="Google Shape;100;g6c3b8cdf5e_1_16:notes"/>
+          <p:cNvPr id="106" name="Google Shape;106;g6c3b8cdf5e_1_28:notes"/>
           <p:cNvSpPr>
             <a:spLocks noGrp="1" noRot="1" noChangeAspect="1"/>
           </p:cNvSpPr>
@@ -1453,7 +1364,7 @@
       </p:sp>
       <p:sp>
         <p:nvSpPr>
-          <p:cNvPr id="101" name="Google Shape;101;g6c3b8cdf5e_1_16:notes"/>
+          <p:cNvPr id="107" name="Google Shape;107;g6c3b8cdf5e_1_28:notes"/>
           <p:cNvSpPr txBox="1">
             <a:spLocks noGrp="1"/>
           </p:cNvSpPr>
@@ -1492,7 +1403,7 @@
     </p:spTree>
     <p:extLst>
       <p:ext uri="{BB962C8B-B14F-4D97-AF65-F5344CB8AC3E}">
-        <p14:creationId xmlns:p14="http://schemas.microsoft.com/office/powerpoint/2010/main" val="2412284701"/>
+        <p14:creationId xmlns:p14="http://schemas.microsoft.com/office/powerpoint/2010/main" val="2176887846"/>
       </p:ext>
     </p:extLst>
   </p:cSld>
@@ -1601,7 +1512,7 @@
     </p:spTree>
     <p:extLst>
       <p:ext uri="{BB962C8B-B14F-4D97-AF65-F5344CB8AC3E}">
-        <p14:creationId xmlns:p14="http://schemas.microsoft.com/office/powerpoint/2010/main" val="2176887846"/>
+        <p14:creationId xmlns:p14="http://schemas.microsoft.com/office/powerpoint/2010/main" val="1267805715"/>
       </p:ext>
     </p:extLst>
   </p:cSld>
@@ -1612,115 +1523,6 @@
 </file>
 
 <file path=ppt/notesSlides/notesSlide8.xml><?xml version="1.0" encoding="utf-8"?>
-<p:notes xmlns:a="http://schemas.openxmlformats.org/drawingml/2006/main" xmlns:r="http://schemas.openxmlformats.org/officeDocument/2006/relationships" xmlns:p="http://schemas.openxmlformats.org/presentationml/2006/main" showMasterSp="0" showMasterPhAnim="0">
-  <p:cSld>
-    <p:spTree>
-      <p:nvGrpSpPr>
-        <p:cNvPr id="1" name="Shape 105"/>
-        <p:cNvGrpSpPr/>
-        <p:nvPr/>
-      </p:nvGrpSpPr>
-      <p:grpSpPr>
-        <a:xfrm>
-          <a:off x="0" y="0"/>
-          <a:ext cx="0" cy="0"/>
-          <a:chOff x="0" y="0"/>
-          <a:chExt cx="0" cy="0"/>
-        </a:xfrm>
-      </p:grpSpPr>
-      <p:sp>
-        <p:nvSpPr>
-          <p:cNvPr id="106" name="Google Shape;106;g6c3b8cdf5e_1_28:notes"/>
-          <p:cNvSpPr>
-            <a:spLocks noGrp="1" noRot="1" noChangeAspect="1"/>
-          </p:cNvSpPr>
-          <p:nvPr>
-            <p:ph type="sldImg" idx="2"/>
-          </p:nvPr>
-        </p:nvSpPr>
-        <p:spPr>
-          <a:xfrm>
-            <a:off x="381000" y="685800"/>
-            <a:ext cx="6096000" cy="3429000"/>
-          </a:xfrm>
-          <a:custGeom>
-            <a:avLst/>
-            <a:gdLst/>
-            <a:ahLst/>
-            <a:cxnLst/>
-            <a:rect l="l" t="t" r="r" b="b"/>
-            <a:pathLst>
-              <a:path w="120000" h="120000" extrusionOk="0">
-                <a:moveTo>
-                  <a:pt x="0" y="0"/>
-                </a:moveTo>
-                <a:lnTo>
-                  <a:pt x="120000" y="0"/>
-                </a:lnTo>
-                <a:lnTo>
-                  <a:pt x="120000" y="120000"/>
-                </a:lnTo>
-                <a:lnTo>
-                  <a:pt x="0" y="120000"/>
-                </a:lnTo>
-                <a:close/>
-              </a:path>
-            </a:pathLst>
-          </a:custGeom>
-        </p:spPr>
-      </p:sp>
-      <p:sp>
-        <p:nvSpPr>
-          <p:cNvPr id="107" name="Google Shape;107;g6c3b8cdf5e_1_28:notes"/>
-          <p:cNvSpPr txBox="1">
-            <a:spLocks noGrp="1"/>
-          </p:cNvSpPr>
-          <p:nvPr>
-            <p:ph type="body" idx="1"/>
-          </p:nvPr>
-        </p:nvSpPr>
-        <p:spPr>
-          <a:xfrm>
-            <a:off x="685800" y="4343400"/>
-            <a:ext cx="5486400" cy="4114800"/>
-          </a:xfrm>
-          <a:prstGeom prst="rect">
-            <a:avLst/>
-          </a:prstGeom>
-        </p:spPr>
-        <p:txBody>
-          <a:bodyPr spcFirstLastPara="1" wrap="square" lIns="91425" tIns="91425" rIns="91425" bIns="91425" anchor="t" anchorCtr="0">
-            <a:noAutofit/>
-          </a:bodyPr>
-          <a:lstStyle/>
-          <a:p>
-            <a:pPr marL="0" lvl="0" indent="0" algn="l" rtl="0">
-              <a:spcBef>
-                <a:spcPts val="0"/>
-              </a:spcBef>
-              <a:spcAft>
-                <a:spcPts val="0"/>
-              </a:spcAft>
-              <a:buNone/>
-            </a:pPr>
-            <a:endParaRPr/>
-          </a:p>
-        </p:txBody>
-      </p:sp>
-    </p:spTree>
-    <p:extLst>
-      <p:ext uri="{BB962C8B-B14F-4D97-AF65-F5344CB8AC3E}">
-        <p14:creationId xmlns:p14="http://schemas.microsoft.com/office/powerpoint/2010/main" val="1267805715"/>
-      </p:ext>
-    </p:extLst>
-  </p:cSld>
-  <p:clrMapOvr>
-    <a:masterClrMapping/>
-  </p:clrMapOvr>
-</p:notes>
-</file>
-
-<file path=ppt/notesSlides/notesSlide9.xml><?xml version="1.0" encoding="utf-8"?>
 <p:notes xmlns:a="http://schemas.openxmlformats.org/drawingml/2006/main" xmlns:r="http://schemas.openxmlformats.org/officeDocument/2006/relationships" xmlns:p="http://schemas.openxmlformats.org/presentationml/2006/main" showMasterSp="0" showMasterPhAnim="0">
   <p:cSld>
     <p:spTree>
@@ -1820,6 +1622,115 @@
     <p:extLst>
       <p:ext uri="{BB962C8B-B14F-4D97-AF65-F5344CB8AC3E}">
         <p14:creationId xmlns:p14="http://schemas.microsoft.com/office/powerpoint/2010/main" val="2529471315"/>
+      </p:ext>
+    </p:extLst>
+  </p:cSld>
+  <p:clrMapOvr>
+    <a:masterClrMapping/>
+  </p:clrMapOvr>
+</p:notes>
+</file>
+
+<file path=ppt/notesSlides/notesSlide9.xml><?xml version="1.0" encoding="utf-8"?>
+<p:notes xmlns:a="http://schemas.openxmlformats.org/drawingml/2006/main" xmlns:r="http://schemas.openxmlformats.org/officeDocument/2006/relationships" xmlns:p="http://schemas.openxmlformats.org/presentationml/2006/main" showMasterSp="0" showMasterPhAnim="0">
+  <p:cSld>
+    <p:spTree>
+      <p:nvGrpSpPr>
+        <p:cNvPr id="1" name="Shape 122"/>
+        <p:cNvGrpSpPr/>
+        <p:nvPr/>
+      </p:nvGrpSpPr>
+      <p:grpSpPr>
+        <a:xfrm>
+          <a:off x="0" y="0"/>
+          <a:ext cx="0" cy="0"/>
+          <a:chOff x="0" y="0"/>
+          <a:chExt cx="0" cy="0"/>
+        </a:xfrm>
+      </p:grpSpPr>
+      <p:sp>
+        <p:nvSpPr>
+          <p:cNvPr id="123" name="Google Shape;123;g6c265fe4b7_0_15:notes"/>
+          <p:cNvSpPr>
+            <a:spLocks noGrp="1" noRot="1" noChangeAspect="1"/>
+          </p:cNvSpPr>
+          <p:nvPr>
+            <p:ph type="sldImg" idx="2"/>
+          </p:nvPr>
+        </p:nvSpPr>
+        <p:spPr>
+          <a:xfrm>
+            <a:off x="381000" y="685800"/>
+            <a:ext cx="6096000" cy="3429000"/>
+          </a:xfrm>
+          <a:custGeom>
+            <a:avLst/>
+            <a:gdLst/>
+            <a:ahLst/>
+            <a:cxnLst/>
+            <a:rect l="l" t="t" r="r" b="b"/>
+            <a:pathLst>
+              <a:path w="120000" h="120000" extrusionOk="0">
+                <a:moveTo>
+                  <a:pt x="0" y="0"/>
+                </a:moveTo>
+                <a:lnTo>
+                  <a:pt x="120000" y="0"/>
+                </a:lnTo>
+                <a:lnTo>
+                  <a:pt x="120000" y="120000"/>
+                </a:lnTo>
+                <a:lnTo>
+                  <a:pt x="0" y="120000"/>
+                </a:lnTo>
+                <a:close/>
+              </a:path>
+            </a:pathLst>
+          </a:custGeom>
+        </p:spPr>
+      </p:sp>
+      <p:sp>
+        <p:nvSpPr>
+          <p:cNvPr id="124" name="Google Shape;124;g6c265fe4b7_0_15:notes"/>
+          <p:cNvSpPr txBox="1">
+            <a:spLocks noGrp="1"/>
+          </p:cNvSpPr>
+          <p:nvPr>
+            <p:ph type="body" idx="1"/>
+          </p:nvPr>
+        </p:nvSpPr>
+        <p:spPr>
+          <a:xfrm>
+            <a:off x="685800" y="4343400"/>
+            <a:ext cx="5486400" cy="4114800"/>
+          </a:xfrm>
+          <a:prstGeom prst="rect">
+            <a:avLst/>
+          </a:prstGeom>
+        </p:spPr>
+        <p:txBody>
+          <a:bodyPr spcFirstLastPara="1" wrap="square" lIns="91425" tIns="91425" rIns="91425" bIns="91425" anchor="t" anchorCtr="0">
+            <a:noAutofit/>
+          </a:bodyPr>
+          <a:lstStyle/>
+          <a:p>
+            <a:pPr marL="0" lvl="0" indent="0" algn="l" rtl="0">
+              <a:spcBef>
+                <a:spcPts val="0"/>
+              </a:spcBef>
+              <a:spcAft>
+                <a:spcPts val="0"/>
+              </a:spcAft>
+              <a:buNone/>
+            </a:pPr>
+            <a:endParaRPr/>
+          </a:p>
+        </p:txBody>
+      </p:sp>
+    </p:spTree>
+    <p:extLst>
+      <p:ext uri="{BB962C8B-B14F-4D97-AF65-F5344CB8AC3E}">
+        <p14:creationId xmlns:p14="http://schemas.microsoft.com/office/powerpoint/2010/main" val="3490007247"/>
       </p:ext>
     </p:extLst>
   </p:cSld>
@@ -7489,226 +7400,10 @@
   <p:clrMapOvr>
     <a:masterClrMapping/>
   </p:clrMapOvr>
-  <p:timing>
-    <p:tnLst>
-      <p:par>
-        <p:cTn id="1" dur="indefinite" restart="never" nodeType="tmRoot"/>
-      </p:par>
-    </p:tnLst>
-  </p:timing>
 </p:sld>
 </file>
 
 <file path=ppt/slides/slide10.xml><?xml version="1.0" encoding="utf-8"?>
-<p:sld xmlns:a="http://schemas.openxmlformats.org/drawingml/2006/main" xmlns:r="http://schemas.openxmlformats.org/officeDocument/2006/relationships" xmlns:p="http://schemas.openxmlformats.org/presentationml/2006/main">
-  <p:cSld>
-    <p:spTree>
-      <p:nvGrpSpPr>
-        <p:cNvPr id="1" name="Shape 102"/>
-        <p:cNvGrpSpPr/>
-        <p:nvPr/>
-      </p:nvGrpSpPr>
-      <p:grpSpPr>
-        <a:xfrm>
-          <a:off x="0" y="0"/>
-          <a:ext cx="0" cy="0"/>
-          <a:chOff x="0" y="0"/>
-          <a:chExt cx="0" cy="0"/>
-        </a:xfrm>
-      </p:grpSpPr>
-      <p:sp>
-        <p:nvSpPr>
-          <p:cNvPr id="103" name="Google Shape;103;p20"/>
-          <p:cNvSpPr txBox="1">
-            <a:spLocks noGrp="1"/>
-          </p:cNvSpPr>
-          <p:nvPr>
-            <p:ph type="title"/>
-          </p:nvPr>
-        </p:nvSpPr>
-        <p:spPr>
-          <a:xfrm>
-            <a:off x="311700" y="372500"/>
-            <a:ext cx="8520600" cy="733500"/>
-          </a:xfrm>
-          <a:prstGeom prst="rect">
-            <a:avLst/>
-          </a:prstGeom>
-        </p:spPr>
-        <p:txBody>
-          <a:bodyPr spcFirstLastPara="1" wrap="square" lIns="91425" tIns="91425" rIns="91425" bIns="91425" anchor="b" anchorCtr="0">
-            <a:noAutofit/>
-          </a:bodyPr>
-          <a:lstStyle/>
-          <a:p>
-            <a:pPr marL="0" lvl="0" indent="0" algn="l" rtl="0">
-              <a:spcBef>
-                <a:spcPts val="0"/>
-              </a:spcBef>
-              <a:spcAft>
-                <a:spcPts val="0"/>
-              </a:spcAft>
-              <a:buNone/>
-            </a:pPr>
-            <a:r>
-              <a:rPr lang="en" dirty="0"/>
-              <a:t>We then went on to calculate which countries provide the best ‘value’?</a:t>
-            </a:r>
-            <a:endParaRPr dirty="0"/>
-          </a:p>
-        </p:txBody>
-      </p:sp>
-      <p:sp>
-        <p:nvSpPr>
-          <p:cNvPr id="104" name="Google Shape;104;p20"/>
-          <p:cNvSpPr txBox="1">
-            <a:spLocks noGrp="1"/>
-          </p:cNvSpPr>
-          <p:nvPr>
-            <p:ph type="body" idx="1"/>
-          </p:nvPr>
-        </p:nvSpPr>
-        <p:spPr>
-          <a:xfrm>
-            <a:off x="322332" y="1334481"/>
-            <a:ext cx="8520600" cy="1111007"/>
-          </a:xfrm>
-          <a:prstGeom prst="rect">
-            <a:avLst/>
-          </a:prstGeom>
-        </p:spPr>
-        <p:txBody>
-          <a:bodyPr spcFirstLastPara="1" wrap="square" lIns="91425" tIns="91425" rIns="91425" bIns="91425" anchor="t" anchorCtr="0">
-            <a:noAutofit/>
-          </a:bodyPr>
-          <a:lstStyle/>
-          <a:p>
-            <a:pPr marL="457200" lvl="0" indent="-342900" algn="l" rtl="0">
-              <a:spcBef>
-                <a:spcPts val="0"/>
-              </a:spcBef>
-              <a:spcAft>
-                <a:spcPts val="0"/>
-              </a:spcAft>
-              <a:buSzPts val="1800"/>
-              <a:buChar char="●"/>
-            </a:pPr>
-            <a:r>
-              <a:rPr lang="en" sz="1600" dirty="0" smtClean="0"/>
-              <a:t>We created ‘price_per_points’ </a:t>
-            </a:r>
-            <a:r>
-              <a:rPr lang="en" sz="1600" dirty="0"/>
-              <a:t>table i.e. what you you spend to earn one point of ‘quality’ to your wine</a:t>
-            </a:r>
-            <a:endParaRPr sz="1600" dirty="0"/>
-          </a:p>
-          <a:p>
-            <a:pPr marL="457200" lvl="0" indent="-342900" algn="l" rtl="0">
-              <a:spcBef>
-                <a:spcPts val="0"/>
-              </a:spcBef>
-              <a:spcAft>
-                <a:spcPts val="0"/>
-              </a:spcAft>
-              <a:buSzPts val="1800"/>
-              <a:buChar char="●"/>
-            </a:pPr>
-            <a:r>
-              <a:rPr lang="en" sz="1600" dirty="0" smtClean="0"/>
-              <a:t>There </a:t>
-            </a:r>
-            <a:r>
-              <a:rPr lang="en" sz="1600" dirty="0"/>
-              <a:t>are only 187 bottles of wine rated 96-points or higher</a:t>
-            </a:r>
-            <a:endParaRPr sz="1600" dirty="0"/>
-          </a:p>
-          <a:p>
-            <a:pPr marL="457200" lvl="0" indent="-342900" algn="l" rtl="0">
-              <a:spcBef>
-                <a:spcPts val="0"/>
-              </a:spcBef>
-              <a:spcAft>
-                <a:spcPts val="0"/>
-              </a:spcAft>
-              <a:buSzPts val="1800"/>
-              <a:buChar char="●"/>
-            </a:pPr>
-            <a:endParaRPr dirty="0"/>
-          </a:p>
-        </p:txBody>
-      </p:sp>
-      <p:pic>
-        <p:nvPicPr>
-          <p:cNvPr id="4098" name="Picture 2"/>
-          <p:cNvPicPr>
-            <a:picLocks noChangeAspect="1" noChangeArrowheads="1"/>
-          </p:cNvPicPr>
-          <p:nvPr/>
-        </p:nvPicPr>
-        <p:blipFill>
-          <a:blip r:embed="rId3">
-            <a:extLst>
-              <a:ext uri="{28A0092B-C50C-407E-A947-70E740481C1C}">
-                <a14:useLocalDpi xmlns:a14="http://schemas.microsoft.com/office/drawing/2010/main" val="0"/>
-              </a:ext>
-            </a:extLst>
-          </a:blip>
-          <a:srcRect/>
-          <a:stretch>
-            <a:fillRect/>
-          </a:stretch>
-        </p:blipFill>
-        <p:spPr bwMode="auto">
-          <a:xfrm>
-            <a:off x="175105" y="2303941"/>
-            <a:ext cx="8772525" cy="2321221"/>
-          </a:xfrm>
-          <a:prstGeom prst="rect">
-            <a:avLst/>
-          </a:prstGeom>
-          <a:noFill/>
-          <a:ln>
-            <a:noFill/>
-          </a:ln>
-          <a:extLst>
-            <a:ext uri="{909E8E84-426E-40DD-AFC4-6F175D3DCCD1}">
-              <a14:hiddenFill xmlns:a14="http://schemas.microsoft.com/office/drawing/2010/main">
-                <a:solidFill>
-                  <a:schemeClr val="accent1"/>
-                </a:solidFill>
-              </a14:hiddenFill>
-            </a:ext>
-            <a:ext uri="{91240B29-F687-4F45-9708-019B960494DF}">
-              <a14:hiddenLine xmlns:a14="http://schemas.microsoft.com/office/drawing/2010/main" w="9525">
-                <a:solidFill>
-                  <a:schemeClr val="tx1"/>
-                </a:solidFill>
-                <a:miter lim="800000"/>
-                <a:headEnd/>
-                <a:tailEnd/>
-              </a14:hiddenLine>
-            </a:ext>
-          </a:extLst>
-        </p:spPr>
-      </p:pic>
-    </p:spTree>
-  </p:cSld>
-  <p:clrMapOvr>
-    <a:masterClrMapping/>
-  </p:clrMapOvr>
-  <p:timing>
-    <p:tnLst>
-      <p:par>
-        <p:cTn id="1" dur="indefinite" restart="never" nodeType="tmRoot"/>
-      </p:par>
-    </p:tnLst>
-  </p:timing>
-</p:sld>
-</file>
-
-<file path=ppt/slides/slide11.xml><?xml version="1.0" encoding="utf-8"?>
 <p:sld xmlns:a="http://schemas.openxmlformats.org/drawingml/2006/main" xmlns:r="http://schemas.openxmlformats.org/officeDocument/2006/relationships" xmlns:p="http://schemas.openxmlformats.org/presentationml/2006/main">
   <p:cSld>
     <p:spTree>
@@ -7844,17 +7539,10 @@
   <p:clrMapOvr>
     <a:masterClrMapping/>
   </p:clrMapOvr>
-  <p:timing>
-    <p:tnLst>
-      <p:par>
-        <p:cTn id="1" dur="indefinite" restart="never" nodeType="tmRoot"/>
-      </p:par>
-    </p:tnLst>
-  </p:timing>
 </p:sld>
 </file>
 
-<file path=ppt/slides/slide12.xml><?xml version="1.0" encoding="utf-8"?>
+<file path=ppt/slides/slide11.xml><?xml version="1.0" encoding="utf-8"?>
 <p:sld xmlns:a="http://schemas.openxmlformats.org/drawingml/2006/main" xmlns:r="http://schemas.openxmlformats.org/officeDocument/2006/relationships" xmlns:p="http://schemas.openxmlformats.org/presentationml/2006/main">
   <p:cSld>
     <p:spTree>
@@ -7995,17 +7683,10 @@
   <p:clrMapOvr>
     <a:masterClrMapping/>
   </p:clrMapOvr>
-  <p:timing>
-    <p:tnLst>
-      <p:par>
-        <p:cTn id="1" dur="indefinite" restart="never" nodeType="tmRoot"/>
-      </p:par>
-    </p:tnLst>
-  </p:timing>
 </p:sld>
 </file>
 
-<file path=ppt/slides/slide13.xml><?xml version="1.0" encoding="utf-8"?>
+<file path=ppt/slides/slide12.xml><?xml version="1.0" encoding="utf-8"?>
 <p:sld xmlns:a="http://schemas.openxmlformats.org/drawingml/2006/main" xmlns:r="http://schemas.openxmlformats.org/officeDocument/2006/relationships" xmlns:p="http://schemas.openxmlformats.org/presentationml/2006/main">
   <p:cSld>
     <p:spTree>
@@ -8076,22 +7757,21 @@
           <a:lstStyle/>
           <a:p>
             <a:r>
-              <a:rPr lang="en-US" dirty="0" smtClean="0"/>
+              <a:rPr lang="en-US" dirty="0"/>
               <a:t>Chile offers the best ‘value’ i.e. you spend the least amount of money to earn a point of quality on your wine</a:t>
             </a:r>
           </a:p>
           <a:p>
             <a:r>
-              <a:rPr lang="en-US" dirty="0" smtClean="0"/>
+              <a:rPr lang="en-US" dirty="0"/>
               <a:t>Wine, as a luxury item, can oftentimes be more art than science, and we believe our dataset illustrates the psychology behind buying wine – people are willing to pay a premium for ‘brand’ regions like Bordeaux</a:t>
             </a:r>
           </a:p>
           <a:p>
             <a:r>
-              <a:rPr lang="en-US" dirty="0" smtClean="0"/>
+              <a:rPr lang="en-US" dirty="0"/>
               <a:t>If you don’t believe us, watch the documentary ‘Sour Grapes’</a:t>
             </a:r>
-            <a:endParaRPr lang="en-US" dirty="0"/>
           </a:p>
         </p:txBody>
       </p:sp>
@@ -8100,17 +7780,10 @@
   <p:clrMapOvr>
     <a:masterClrMapping/>
   </p:clrMapOvr>
-  <p:timing>
-    <p:tnLst>
-      <p:par>
-        <p:cTn id="1" dur="indefinite" restart="never" nodeType="tmRoot"/>
-      </p:par>
-    </p:tnLst>
-  </p:timing>
 </p:sld>
 </file>
 
-<file path=ppt/slides/slide14.xml><?xml version="1.0" encoding="utf-8"?>
+<file path=ppt/slides/slide13.xml><?xml version="1.0" encoding="utf-8"?>
 <p:sld xmlns:a="http://schemas.openxmlformats.org/drawingml/2006/main" xmlns:r="http://schemas.openxmlformats.org/officeDocument/2006/relationships" xmlns:p="http://schemas.openxmlformats.org/presentationml/2006/main">
   <p:cSld>
     <p:spTree>
@@ -8236,13 +7909,6 @@
   <p:clrMapOvr>
     <a:masterClrMapping/>
   </p:clrMapOvr>
-  <p:timing>
-    <p:tnLst>
-      <p:par>
-        <p:cTn id="1" dur="indefinite" restart="never" nodeType="tmRoot"/>
-      </p:par>
-    </p:tnLst>
-  </p:timing>
 </p:sld>
 </file>
 
@@ -8602,10 +8268,9 @@
           <a:lstStyle/>
           <a:p>
             <a:r>
-              <a:rPr lang="en-US" dirty="0" smtClean="0"/>
+              <a:rPr lang="en-US" dirty="0"/>
               <a:t>94 Points</a:t>
             </a:r>
-            <a:endParaRPr lang="en-US" dirty="0"/>
           </a:p>
         </p:txBody>
       </p:sp>
@@ -8632,10 +8297,9 @@
           <a:lstStyle/>
           <a:p>
             <a:r>
-              <a:rPr lang="en-US" dirty="0" smtClean="0"/>
+              <a:rPr lang="en-US" dirty="0"/>
               <a:t>95 Points</a:t>
             </a:r>
-            <a:endParaRPr lang="en-US" dirty="0"/>
           </a:p>
         </p:txBody>
       </p:sp>
@@ -8911,7 +8575,7 @@
               <a:buNone/>
             </a:pPr>
             <a:r>
-              <a:rPr lang="en" dirty="0" smtClean="0"/>
+              <a:rPr lang="en" dirty="0"/>
               <a:t>Agenda </a:t>
             </a:r>
             <a:endParaRPr dirty="0"/>
@@ -8971,20 +8635,8 @@
               <a:buAutoNum type="alphaLcPeriod"/>
             </a:pPr>
             <a:r>
-              <a:rPr lang="en" dirty="0" smtClean="0"/>
-              <a:t>Project goal</a:t>
-            </a:r>
-            <a:r>
               <a:rPr lang="en" dirty="0"/>
-              <a:t> </a:t>
-            </a:r>
-            <a:r>
-              <a:rPr lang="en" dirty="0" smtClean="0"/>
-              <a:t>&amp; key </a:t>
-            </a:r>
-            <a:r>
-              <a:rPr lang="en" dirty="0"/>
-              <a:t>questions</a:t>
+              <a:t>Project goal &amp; key questions</a:t>
             </a:r>
             <a:endParaRPr dirty="0"/>
           </a:p>
@@ -9001,11 +8653,7 @@
             </a:pPr>
             <a:r>
               <a:rPr lang="en" dirty="0"/>
-              <a:t>Summary of </a:t>
-            </a:r>
-            <a:r>
-              <a:rPr lang="en" dirty="0" smtClean="0"/>
-              <a:t>Data - Dan</a:t>
+              <a:t>Summary of Data - Dan</a:t>
             </a:r>
             <a:endParaRPr dirty="0"/>
           </a:p>
@@ -9021,40 +8669,8 @@
               <a:buAutoNum type="alphaLcPeriod"/>
             </a:pPr>
             <a:r>
-              <a:rPr lang="en" dirty="0" smtClean="0"/>
-              <a:t>Points </a:t>
-            </a:r>
-            <a:r>
               <a:rPr lang="en" dirty="0"/>
-              <a:t>by </a:t>
-            </a:r>
-            <a:r>
-              <a:rPr lang="en" dirty="0" smtClean="0"/>
-              <a:t>Country </a:t>
-            </a:r>
-            <a:r>
-              <a:rPr lang="en" dirty="0"/>
-              <a:t>&amp;</a:t>
-            </a:r>
-            <a:r>
-              <a:rPr lang="en" dirty="0" smtClean="0"/>
-              <a:t> </a:t>
-            </a:r>
-            <a:r>
-              <a:rPr lang="en" dirty="0"/>
-              <a:t>P</a:t>
-            </a:r>
-            <a:r>
-              <a:rPr lang="en" dirty="0" smtClean="0"/>
-              <a:t>rice </a:t>
-            </a:r>
-            <a:r>
-              <a:rPr lang="en" dirty="0"/>
-              <a:t>by </a:t>
-            </a:r>
-            <a:r>
-              <a:rPr lang="en" dirty="0" smtClean="0"/>
-              <a:t>Country</a:t>
+              <a:t>Points by Country &amp; Price by Country</a:t>
             </a:r>
             <a:endParaRPr dirty="0"/>
           </a:p>
@@ -9070,12 +8686,8 @@
               <a:buAutoNum type="arabicPeriod"/>
             </a:pPr>
             <a:r>
-              <a:rPr lang="en" dirty="0" smtClean="0"/>
-              <a:t>Data </a:t>
-            </a:r>
-            <a:r>
               <a:rPr lang="en" dirty="0"/>
-              <a:t>cleansing - Alec</a:t>
+              <a:t>Data cleansing - Alec</a:t>
             </a:r>
             <a:endParaRPr dirty="0"/>
           </a:p>
@@ -9092,15 +8704,7 @@
             </a:pPr>
             <a:r>
               <a:rPr lang="en" dirty="0"/>
-              <a:t>How to we get to the final 6</a:t>
-            </a:r>
-            <a:r>
-              <a:rPr lang="en" dirty="0" smtClean="0"/>
-              <a:t> </a:t>
-            </a:r>
-            <a:r>
-              <a:rPr lang="en" dirty="0"/>
-              <a:t>countries</a:t>
+              <a:t>How to we get to the final 6 countries</a:t>
             </a:r>
             <a:endParaRPr dirty="0"/>
           </a:p>
@@ -9116,12 +8720,8 @@
               <a:buAutoNum type="arabicPeriod"/>
             </a:pPr>
             <a:r>
-              <a:rPr lang="en" dirty="0" smtClean="0"/>
-              <a:t>Analysis </a:t>
-            </a:r>
-            <a:r>
               <a:rPr lang="en" dirty="0"/>
-              <a:t>steps: - James</a:t>
+              <a:t>Analysis steps: - James</a:t>
             </a:r>
             <a:endParaRPr dirty="0"/>
           </a:p>
@@ -9155,11 +8755,7 @@
             </a:pPr>
             <a:r>
               <a:rPr lang="en" dirty="0"/>
-              <a:t>Regression on </a:t>
-            </a:r>
-            <a:r>
-              <a:rPr lang="en" dirty="0" smtClean="0"/>
-              <a:t>the data</a:t>
+              <a:t>Regression on the data</a:t>
             </a:r>
             <a:endParaRPr dirty="0"/>
           </a:p>
@@ -9193,11 +8789,7 @@
             </a:pPr>
             <a:r>
               <a:rPr lang="en" dirty="0"/>
-              <a:t>Regression by top 6 </a:t>
-            </a:r>
-            <a:r>
-              <a:rPr lang="en" dirty="0" smtClean="0"/>
-              <a:t>countries</a:t>
+              <a:t>Regression by top 6 countries</a:t>
             </a:r>
             <a:endParaRPr dirty="0"/>
           </a:p>
@@ -9208,13 +8800,6 @@
   <p:clrMapOvr>
     <a:masterClrMapping/>
   </p:clrMapOvr>
-  <p:timing>
-    <p:tnLst>
-      <p:par>
-        <p:cTn id="1" dur="indefinite" restart="never" nodeType="tmRoot"/>
-      </p:par>
-    </p:tnLst>
-  </p:timing>
 </p:sld>
 </file>
 
@@ -9444,13 +9029,6 @@
   <p:clrMapOvr>
     <a:masterClrMapping/>
   </p:clrMapOvr>
-  <p:timing>
-    <p:tnLst>
-      <p:par>
-        <p:cTn id="1" dur="indefinite" restart="never" nodeType="tmRoot"/>
-      </p:par>
-    </p:tnLst>
-  </p:timing>
 </p:sld>
 </file>
 
@@ -9503,11 +9081,7 @@
             </a:pPr>
             <a:r>
               <a:rPr lang="en" dirty="0"/>
-              <a:t>Breakdown by </a:t>
-            </a:r>
-            <a:r>
-              <a:rPr lang="en" dirty="0" smtClean="0"/>
-              <a:t>Country part 1</a:t>
+              <a:t>Breakdown by Country part 1</a:t>
             </a:r>
             <a:endParaRPr dirty="0"/>
           </a:p>
@@ -9546,19 +9120,7 @@
             </a:pPr>
             <a:r>
               <a:rPr lang="en" dirty="0"/>
-              <a:t>The US, France, Italy, </a:t>
-            </a:r>
-            <a:r>
-              <a:rPr lang="en" dirty="0" smtClean="0"/>
-              <a:t>Spain, Portugal and Chile produced </a:t>
-            </a:r>
-            <a:r>
-              <a:rPr lang="en" dirty="0"/>
-              <a:t>the largest number of unique bottles of wine within our data </a:t>
-            </a:r>
-            <a:r>
-              <a:rPr lang="en" dirty="0" smtClean="0"/>
-              <a:t>set.</a:t>
+              <a:t>The US, France, Italy, Spain, Portugal and Chile produced the largest number of unique bottles of wine within our data set.</a:t>
             </a:r>
           </a:p>
           <a:p>
@@ -9689,13 +9251,6 @@
   <p:clrMapOvr>
     <a:masterClrMapping/>
   </p:clrMapOvr>
-  <p:timing>
-    <p:tnLst>
-      <p:par>
-        <p:cTn id="1" dur="indefinite" restart="never" nodeType="tmRoot"/>
-      </p:par>
-    </p:tnLst>
-  </p:timing>
 </p:sld>
 </file>
 
@@ -9732,10 +9287,9 @@
           <a:lstStyle/>
           <a:p>
             <a:r>
-              <a:rPr lang="en-US" dirty="0" smtClean="0"/>
+              <a:rPr lang="en-US" dirty="0"/>
               <a:t>Breakdown by Country part 2</a:t>
             </a:r>
-            <a:endParaRPr lang="en-US" dirty="0"/>
           </a:p>
         </p:txBody>
       </p:sp>
@@ -9857,13 +9411,6 @@
   <p:clrMapOvr>
     <a:masterClrMapping/>
   </p:clrMapOvr>
-  <p:timing>
-    <p:tnLst>
-      <p:par>
-        <p:cTn id="1" dur="indefinite" restart="never" nodeType="tmRoot"/>
-      </p:par>
-    </p:tnLst>
-  </p:timing>
 </p:sld>
 </file>
 
@@ -9900,10 +9447,9 @@
           <a:lstStyle/>
           <a:p>
             <a:r>
-              <a:rPr lang="en-US" dirty="0" smtClean="0"/>
+              <a:rPr lang="en-US" dirty="0"/>
               <a:t>Description of Price Data</a:t>
             </a:r>
-            <a:endParaRPr lang="en-US" dirty="0"/>
           </a:p>
         </p:txBody>
       </p:sp>
@@ -9971,13 +9517,6 @@
   <p:clrMapOvr>
     <a:masterClrMapping/>
   </p:clrMapOvr>
-  <p:timing>
-    <p:tnLst>
-      <p:par>
-        <p:cTn id="1" dur="indefinite" restart="never" nodeType="tmRoot"/>
-      </p:par>
-    </p:tnLst>
-  </p:timing>
 </p:sld>
 </file>
 
@@ -10014,10 +9553,9 @@
           <a:lstStyle/>
           <a:p>
             <a:r>
-              <a:rPr lang="en-US" dirty="0" smtClean="0"/>
+              <a:rPr lang="en-US" dirty="0"/>
               <a:t>Is there a relationship between price and points?</a:t>
             </a:r>
-            <a:endParaRPr lang="en-US" dirty="0"/>
           </a:p>
         </p:txBody>
       </p:sp>
@@ -10061,13 +9599,6 @@
   <p:clrMapOvr>
     <a:masterClrMapping/>
   </p:clrMapOvr>
-  <p:timing>
-    <p:tnLst>
-      <p:par>
-        <p:cTn id="1" dur="indefinite" restart="never" nodeType="tmRoot"/>
-      </p:par>
-    </p:tnLst>
-  </p:timing>
 </p:sld>
 </file>
 
@@ -10104,10 +9635,9 @@
           <a:lstStyle/>
           <a:p>
             <a:r>
-              <a:rPr lang="en-US" dirty="0" smtClean="0"/>
+              <a:rPr lang="en-US" dirty="0"/>
               <a:t>As our country breakdown shows, there is clearly a positive, linear relationship between price and points</a:t>
             </a:r>
-            <a:endParaRPr lang="en-US" dirty="0"/>
           </a:p>
         </p:txBody>
       </p:sp>
@@ -10164,7 +9694,7 @@
           <a:lstStyle/>
           <a:p>
             <a:r>
-              <a:rPr lang="en-US" dirty="0" smtClean="0"/>
+              <a:rPr lang="en-US" dirty="0"/>
               <a:t>p-value = 0.0001035</a:t>
             </a:r>
           </a:p>
@@ -10173,7 +9703,7 @@
           </a:p>
           <a:p>
             <a:r>
-              <a:rPr lang="en-US" dirty="0" smtClean="0"/>
+              <a:rPr lang="en-US" dirty="0"/>
               <a:t>Since p-value &lt;0.05, the linear regression is statistically significant.</a:t>
             </a:r>
           </a:p>
@@ -10189,13 +9719,6 @@
   <p:clrMapOvr>
     <a:masterClrMapping/>
   </p:clrMapOvr>
-  <p:timing>
-    <p:tnLst>
-      <p:par>
-        <p:cTn id="1" dur="indefinite" restart="never" nodeType="tmRoot"/>
-      </p:par>
-    </p:tnLst>
-  </p:timing>
 </p:sld>
 </file>
 
